--- a/취준/조웅현_프로젝트포트폴리오.pptx
+++ b/취준/조웅현_프로젝트포트폴리오.pptx
@@ -3948,7 +3948,7 @@
                 <a:solidFill>
                   <a:schemeClr val="bg1"/>
                 </a:solidFill>
-                <a:latin typeface="Montserrat" pitchFamily="2" charset="0"/>
+                <a:latin typeface="나눔스퀘어" panose="020B0600000101010101" pitchFamily="50" charset="-127"/>
                 <a:ea typeface="나눔스퀘어" panose="020B0600000101010101" pitchFamily="50" charset="-127"/>
               </a:rPr>
               <a:t>Takeaway</a:t>
@@ -3957,7 +3957,7 @@
               <a:solidFill>
                 <a:schemeClr val="bg1"/>
               </a:solidFill>
-              <a:latin typeface="Montserrat" pitchFamily="2" charset="0"/>
+              <a:latin typeface="나눔스퀘어" panose="020B0600000101010101" pitchFamily="50" charset="-127"/>
               <a:ea typeface="나눔스퀘어" panose="020B0600000101010101" pitchFamily="50" charset="-127"/>
             </a:endParaRPr>
           </a:p>
@@ -4435,7 +4435,7 @@
           <a:lstStyle/>
           <a:p>
             <a:r>
-              <a:rPr lang="ko-KR" altLang="en-US" sz="4000" b="1" dirty="0">
+              <a:rPr lang="ko-KR" altLang="en-US" b="1" dirty="0">
                 <a:solidFill>
                   <a:schemeClr val="bg1"/>
                 </a:solidFill>
@@ -4445,7 +4445,7 @@
               <a:t>로그인 </a:t>
             </a:r>
             <a:r>
-              <a:rPr lang="en-US" altLang="ko-KR" sz="4000" b="1" dirty="0">
+              <a:rPr lang="en-US" altLang="ko-KR" b="1" dirty="0">
                 <a:solidFill>
                   <a:schemeClr val="bg1"/>
                 </a:solidFill>
@@ -4455,7 +4455,7 @@
               <a:t>&amp; </a:t>
             </a:r>
             <a:r>
-              <a:rPr lang="ko-KR" altLang="en-US" sz="4000" b="1" dirty="0">
+              <a:rPr lang="ko-KR" altLang="en-US" b="1" dirty="0">
                 <a:solidFill>
                   <a:schemeClr val="bg1"/>
                 </a:solidFill>
@@ -4464,7 +4464,7 @@
               </a:rPr>
               <a:t>회원가입 페이지 구현</a:t>
             </a:r>
-            <a:endParaRPr lang="ko-KR" altLang="en-US" sz="4000" b="1" dirty="0">
+            <a:endParaRPr lang="ko-KR" altLang="en-US" b="1" dirty="0">
               <a:solidFill>
                 <a:schemeClr val="bg1"/>
               </a:solidFill>
@@ -4713,7 +4713,7 @@
           <a:lstStyle/>
           <a:p>
             <a:r>
-              <a:rPr lang="en-US" altLang="ko-KR" sz="4000" b="1" dirty="0">
+              <a:rPr lang="en-US" altLang="ko-KR" b="1" dirty="0">
                 <a:solidFill>
                   <a:schemeClr val="bg1"/>
                 </a:solidFill>
@@ -4723,7 +4723,7 @@
               <a:t>AWS S3</a:t>
             </a:r>
             <a:r>
-              <a:rPr lang="ko-KR" altLang="en-US" sz="4000" b="1" dirty="0">
+              <a:rPr lang="ko-KR" altLang="en-US" b="1" dirty="0">
                 <a:solidFill>
                   <a:schemeClr val="bg1"/>
                 </a:solidFill>
@@ -4732,7 +4732,7 @@
               </a:rPr>
               <a:t>를 통한 이미지 업로드</a:t>
             </a:r>
-            <a:endParaRPr lang="ko-KR" altLang="en-US" sz="4000" b="1" dirty="0">
+            <a:endParaRPr lang="ko-KR" altLang="en-US" b="1" dirty="0">
               <a:solidFill>
                 <a:schemeClr val="bg1"/>
               </a:solidFill>
@@ -6022,7 +6022,7 @@
                 <a:solidFill>
                   <a:schemeClr val="bg1"/>
                 </a:solidFill>
-                <a:latin typeface="Montserrat" pitchFamily="2" charset="0"/>
+                <a:latin typeface="나눔스퀘어" panose="020B0600000101010101" pitchFamily="50" charset="-127"/>
                 <a:ea typeface="나눔스퀘어" panose="020B0600000101010101" pitchFamily="50" charset="-127"/>
               </a:rPr>
               <a:t>Takeaway</a:t>
@@ -6031,7 +6031,7 @@
               <a:solidFill>
                 <a:schemeClr val="bg1"/>
               </a:solidFill>
-              <a:latin typeface="Montserrat" pitchFamily="2" charset="0"/>
+              <a:latin typeface="나눔스퀘어" panose="020B0600000101010101" pitchFamily="50" charset="-127"/>
               <a:ea typeface="나눔스퀘어" panose="020B0600000101010101" pitchFamily="50" charset="-127"/>
             </a:endParaRPr>
           </a:p>
@@ -6414,7 +6414,7 @@
         <p:spPr>
           <a:xfrm>
             <a:off x="2622742" y="5277547"/>
-            <a:ext cx="6853158" cy="1323439"/>
+            <a:ext cx="6370655" cy="1261884"/>
           </a:xfrm>
           <a:prstGeom prst="rect">
             <a:avLst/>
@@ -6428,26 +6428,26 @@
           <a:lstStyle/>
           <a:p>
             <a:r>
-              <a:rPr lang="en-US" altLang="ko-KR" sz="4000" b="1" dirty="0" err="1">
+              <a:rPr lang="en-US" altLang="ko-KR" sz="3800" b="1" dirty="0" err="1">
                 <a:latin typeface="Montserrat" pitchFamily="2" charset="0"/>
                 <a:ea typeface="나눔스퀘어" panose="020B0600000101010101" pitchFamily="50" charset="-127"/>
               </a:rPr>
               <a:t>Blocket</a:t>
             </a:r>
             <a:br>
-              <a:rPr lang="en-US" altLang="ko-KR" sz="4000" b="1" dirty="0">
+              <a:rPr lang="en-US" altLang="ko-KR" sz="3800" b="1" dirty="0">
                 <a:latin typeface="나눔스퀘어" panose="020B0600000101010101" pitchFamily="50" charset="-127"/>
                 <a:ea typeface="나눔스퀘어" panose="020B0600000101010101" pitchFamily="50" charset="-127"/>
               </a:rPr>
             </a:br>
             <a:r>
-              <a:rPr lang="ko-KR" altLang="en-US" sz="4000" b="1" dirty="0">
+              <a:rPr lang="ko-KR" altLang="en-US" sz="3800" b="1" dirty="0">
                 <a:latin typeface="Montserrat" pitchFamily="2" charset="0"/>
                 <a:ea typeface="나눔스퀘어" panose="020B0600000101010101" pitchFamily="50" charset="-127"/>
               </a:rPr>
               <a:t>블록체인 기반 자격증명 서비스</a:t>
             </a:r>
-            <a:endParaRPr lang="ko-KR" altLang="en-US" sz="4000" b="1" dirty="0">
+            <a:endParaRPr lang="ko-KR" altLang="en-US" sz="3800" b="1" dirty="0">
               <a:latin typeface="나눔스퀘어" panose="020B0600000101010101" pitchFamily="50" charset="-127"/>
               <a:ea typeface="나눔스퀘어" panose="020B0600000101010101" pitchFamily="50" charset="-127"/>
             </a:endParaRPr>
@@ -6553,7 +6553,7 @@
         </p:nvSpPr>
         <p:spPr>
           <a:xfrm>
-            <a:off x="2622742" y="6600986"/>
+            <a:off x="2622742" y="6457890"/>
             <a:ext cx="6391379" cy="400110"/>
           </a:xfrm>
           <a:prstGeom prst="rect">
@@ -6822,14 +6822,14 @@
           <p:nvPr>
             <p:extLst>
               <p:ext uri="{D42A27DB-BD31-4B8C-83A1-F6EECF244321}">
-                <p14:modId xmlns:p14="http://schemas.microsoft.com/office/powerpoint/2010/main" val="3422240907"/>
+                <p14:modId xmlns:p14="http://schemas.microsoft.com/office/powerpoint/2010/main" val="3874591068"/>
               </p:ext>
             </p:extLst>
           </p:nvPr>
         </p:nvGraphicFramePr>
         <p:xfrm>
           <a:off x="744070" y="1640005"/>
-          <a:ext cx="8480891" cy="4196080"/>
+          <a:ext cx="8480891" cy="4683760"/>
         </p:xfrm>
         <a:graphic>
           <a:graphicData uri="http://schemas.openxmlformats.org/drawingml/2006/table">
@@ -7942,6 +7942,10 @@
                       </a:r>
                     </a:p>
                     <a:p>
+                      <a:pPr marL="0" indent="0">
+                        <a:buFontTx/>
+                        <a:buNone/>
+                      </a:pPr>
                       <a:r>
                         <a:rPr lang="en-US" altLang="ko-KR" sz="1600" dirty="0">
                           <a:latin typeface="나눔스퀘어" panose="020B0600000101010101" pitchFamily="50" charset="-127"/>
@@ -7970,6 +7974,58 @@
                         </a:rPr>
                         <a:t>페이지 구현</a:t>
                       </a:r>
+                      <a:endParaRPr lang="en-US" altLang="ko-KR" sz="1600" dirty="0">
+                        <a:latin typeface="나눔스퀘어" panose="020B0600000101010101" pitchFamily="50" charset="-127"/>
+                        <a:ea typeface="나눔스퀘어" panose="020B0600000101010101" pitchFamily="50" charset="-127"/>
+                      </a:endParaRPr>
+                    </a:p>
+                    <a:p>
+                      <a:pPr marL="0" indent="0">
+                        <a:buFontTx/>
+                        <a:buNone/>
+                      </a:pPr>
+                      <a:r>
+                        <a:rPr lang="en-US" altLang="ko-KR" sz="1600" dirty="0">
+                          <a:latin typeface="나눔스퀘어" panose="020B0600000101010101" pitchFamily="50" charset="-127"/>
+                          <a:ea typeface="나눔스퀘어" panose="020B0600000101010101" pitchFamily="50" charset="-127"/>
+                        </a:rPr>
+                        <a:t>- </a:t>
+                      </a:r>
+                      <a:r>
+                        <a:rPr lang="ko-KR" altLang="en-US" sz="1600" dirty="0">
+                          <a:latin typeface="나눔스퀘어" panose="020B0600000101010101" pitchFamily="50" charset="-127"/>
+                          <a:ea typeface="나눔스퀘어" panose="020B0600000101010101" pitchFamily="50" charset="-127"/>
+                        </a:rPr>
+                        <a:t>이미지 저장 관련 </a:t>
+                      </a:r>
+                      <a:r>
+                        <a:rPr lang="en-US" altLang="ko-KR" sz="1600" dirty="0">
+                          <a:latin typeface="나눔스퀘어" panose="020B0600000101010101" pitchFamily="50" charset="-127"/>
+                          <a:ea typeface="나눔스퀘어" panose="020B0600000101010101" pitchFamily="50" charset="-127"/>
+                        </a:rPr>
+                        <a:t>Backend API </a:t>
+                      </a:r>
+                      <a:r>
+                        <a:rPr lang="ko-KR" altLang="en-US" sz="1600">
+                          <a:latin typeface="나눔스퀘어" panose="020B0600000101010101" pitchFamily="50" charset="-127"/>
+                          <a:ea typeface="나눔스퀘어" panose="020B0600000101010101" pitchFamily="50" charset="-127"/>
+                        </a:rPr>
+                        <a:t>작성</a:t>
+                      </a:r>
+                      <a:endParaRPr lang="en-US" altLang="ko-KR" sz="1600" dirty="0">
+                        <a:latin typeface="나눔스퀘어" panose="020B0600000101010101" pitchFamily="50" charset="-127"/>
+                        <a:ea typeface="나눔스퀘어" panose="020B0600000101010101" pitchFamily="50" charset="-127"/>
+                      </a:endParaRPr>
+                    </a:p>
+                    <a:p>
+                      <a:pPr marL="285750" indent="-285750">
+                        <a:buFontTx/>
+                        <a:buChar char="-"/>
+                      </a:pPr>
+                      <a:endParaRPr lang="ko-KR" altLang="en-US" sz="1600" dirty="0">
+                        <a:latin typeface="나눔스퀘어" panose="020B0600000101010101" pitchFamily="50" charset="-127"/>
+                        <a:ea typeface="나눔스퀘어" panose="020B0600000101010101" pitchFamily="50" charset="-127"/>
+                      </a:endParaRPr>
                     </a:p>
                   </a:txBody>
                   <a:tcPr>
@@ -8426,21 +8482,21 @@
           <a:lstStyle/>
           <a:p>
             <a:r>
-              <a:rPr lang="en-US" altLang="ko-KR" sz="4000" b="1" dirty="0">
+              <a:rPr lang="en-US" altLang="ko-KR" b="1" dirty="0">
                 <a:solidFill>
                   <a:schemeClr val="bg1"/>
                 </a:solidFill>
-                <a:latin typeface="Montserrat" pitchFamily="2" charset="0"/>
+                <a:latin typeface="나눔스퀘어" panose="020B0600000101010101" pitchFamily="50" charset="-127"/>
                 <a:ea typeface="나눔스퀘어" panose="020B0600000101010101" pitchFamily="50" charset="-127"/>
               </a:rPr>
               <a:t>Web3.js</a:t>
             </a:r>
             <a:r>
-              <a:rPr lang="ko-KR" altLang="en-US" sz="4000" b="1" dirty="0">
+              <a:rPr lang="ko-KR" altLang="en-US" b="1" dirty="0">
                 <a:solidFill>
                   <a:schemeClr val="bg1"/>
                 </a:solidFill>
-                <a:latin typeface="Montserrat" pitchFamily="2" charset="0"/>
+                <a:latin typeface="나눔스퀘어" panose="020B0600000101010101" pitchFamily="50" charset="-127"/>
                 <a:ea typeface="나눔스퀘어" panose="020B0600000101010101" pitchFamily="50" charset="-127"/>
               </a:rPr>
               <a:t> 통한 블록 데이터 저장</a:t>
@@ -9082,7 +9138,7 @@
         <p:spPr>
           <a:xfrm>
             <a:off x="2622742" y="5277547"/>
-            <a:ext cx="6543779" cy="1323439"/>
+            <a:ext cx="6219972" cy="1261884"/>
           </a:xfrm>
           <a:prstGeom prst="rect">
             <a:avLst/>
@@ -9096,34 +9152,34 @@
           <a:lstStyle/>
           <a:p>
             <a:r>
-              <a:rPr lang="en-US" altLang="ko-KR" sz="4000" b="1" dirty="0" err="1">
+              <a:rPr lang="en-US" altLang="ko-KR" sz="3800" b="1" dirty="0" err="1">
                 <a:latin typeface="Montserrat" pitchFamily="2" charset="0"/>
                 <a:ea typeface="나눔스퀘어" panose="020B0600000101010101" pitchFamily="50" charset="-127"/>
               </a:rPr>
               <a:t>Mokkozi</a:t>
             </a:r>
             <a:br>
-              <a:rPr lang="en-US" altLang="ko-KR" sz="4000" b="1" dirty="0">
+              <a:rPr lang="en-US" altLang="ko-KR" sz="3800" b="1" dirty="0">
                 <a:latin typeface="나눔스퀘어" panose="020B0600000101010101" pitchFamily="50" charset="-127"/>
                 <a:ea typeface="나눔스퀘어" panose="020B0600000101010101" pitchFamily="50" charset="-127"/>
               </a:rPr>
             </a:br>
             <a:r>
-              <a:rPr lang="en-US" altLang="ko-KR" sz="4000" b="1" dirty="0" err="1">
+              <a:rPr lang="en-US" altLang="ko-KR" sz="3800" b="1" dirty="0" err="1">
                 <a:latin typeface="Montserrat" pitchFamily="2" charset="0"/>
                 <a:ea typeface="나눔스퀘어" panose="020B0600000101010101" pitchFamily="50" charset="-127"/>
               </a:rPr>
               <a:t>webRTC</a:t>
             </a:r>
             <a:r>
-              <a:rPr lang="en-US" altLang="ko-KR" sz="4000" b="1" dirty="0">
+              <a:rPr lang="en-US" altLang="ko-KR" sz="3800" b="1" dirty="0">
                 <a:latin typeface="나눔스퀘어" panose="020B0600000101010101" pitchFamily="50" charset="-127"/>
                 <a:ea typeface="나눔스퀘어" panose="020B0600000101010101" pitchFamily="50" charset="-127"/>
               </a:rPr>
               <a:t> </a:t>
             </a:r>
             <a:r>
-              <a:rPr lang="ko-KR" altLang="en-US" sz="4000" b="1" dirty="0">
+              <a:rPr lang="ko-KR" altLang="en-US" sz="3800" b="1" dirty="0">
                 <a:latin typeface="나눔스퀘어" panose="020B0600000101010101" pitchFamily="50" charset="-127"/>
                 <a:ea typeface="나눔스퀘어" panose="020B0600000101010101" pitchFamily="50" charset="-127"/>
               </a:rPr>
@@ -9231,7 +9287,7 @@
         </p:nvSpPr>
         <p:spPr>
           <a:xfrm>
-            <a:off x="2622742" y="6600986"/>
+            <a:off x="2622742" y="6441686"/>
             <a:ext cx="6391379" cy="400110"/>
           </a:xfrm>
           <a:prstGeom prst="rect">
@@ -9339,21 +9395,21 @@
           <a:lstStyle/>
           <a:p>
             <a:r>
-              <a:rPr lang="en-US" altLang="ko-KR" sz="4000" b="1" dirty="0">
+              <a:rPr lang="en-US" altLang="ko-KR" b="1" dirty="0">
                 <a:solidFill>
                   <a:schemeClr val="bg1"/>
                 </a:solidFill>
-                <a:latin typeface="Montserrat" pitchFamily="2" charset="0"/>
+                <a:latin typeface="나눔스퀘어" panose="020B0600000101010101" pitchFamily="50" charset="-127"/>
                 <a:ea typeface="나눔스퀘어" panose="020B0600000101010101" pitchFamily="50" charset="-127"/>
               </a:rPr>
               <a:t>Web3.js</a:t>
             </a:r>
             <a:r>
-              <a:rPr lang="ko-KR" altLang="en-US" sz="4000" b="1" dirty="0">
+              <a:rPr lang="ko-KR" altLang="en-US" b="1" dirty="0">
                 <a:solidFill>
                   <a:schemeClr val="bg1"/>
                 </a:solidFill>
-                <a:latin typeface="Montserrat" pitchFamily="2" charset="0"/>
+                <a:latin typeface="나눔스퀘어" panose="020B0600000101010101" pitchFamily="50" charset="-127"/>
                 <a:ea typeface="나눔스퀘어" panose="020B0600000101010101" pitchFamily="50" charset="-127"/>
               </a:rPr>
               <a:t> 통한 블록 데이터 저장</a:t>
@@ -9775,21 +9831,21 @@
           <a:lstStyle/>
           <a:p>
             <a:r>
-              <a:rPr lang="en-US" altLang="ko-KR" sz="4000" b="1" dirty="0">
+              <a:rPr lang="en-US" altLang="ko-KR" b="1" dirty="0">
                 <a:solidFill>
                   <a:schemeClr val="bg1"/>
                 </a:solidFill>
-                <a:latin typeface="Montserrat" pitchFamily="2" charset="0"/>
+                <a:latin typeface="나눔스퀘어" panose="020B0600000101010101" pitchFamily="50" charset="-127"/>
                 <a:ea typeface="나눔스퀘어" panose="020B0600000101010101" pitchFamily="50" charset="-127"/>
               </a:rPr>
               <a:t>Web3.js</a:t>
             </a:r>
             <a:r>
-              <a:rPr lang="ko-KR" altLang="en-US" sz="4000" b="1" dirty="0">
+              <a:rPr lang="ko-KR" altLang="en-US" b="1" dirty="0">
                 <a:solidFill>
                   <a:schemeClr val="bg1"/>
                 </a:solidFill>
-                <a:latin typeface="Montserrat" pitchFamily="2" charset="0"/>
+                <a:latin typeface="나눔스퀘어" panose="020B0600000101010101" pitchFamily="50" charset="-127"/>
                 <a:ea typeface="나눔스퀘어" panose="020B0600000101010101" pitchFamily="50" charset="-127"/>
               </a:rPr>
               <a:t> 통한 블록 데이터 저장</a:t>
@@ -10079,7 +10135,7 @@
                 <a:solidFill>
                   <a:schemeClr val="bg1"/>
                 </a:solidFill>
-                <a:latin typeface="Montserrat" pitchFamily="2" charset="0"/>
+                <a:latin typeface="나눔스퀘어" panose="020B0600000101010101" pitchFamily="50" charset="-127"/>
                 <a:ea typeface="나눔스퀘어" panose="020B0600000101010101" pitchFamily="50" charset="-127"/>
               </a:rPr>
               <a:t>Takeaway</a:t>
@@ -10088,7 +10144,7 @@
               <a:solidFill>
                 <a:schemeClr val="bg1"/>
               </a:solidFill>
-              <a:latin typeface="Montserrat" pitchFamily="2" charset="0"/>
+              <a:latin typeface="나눔스퀘어" panose="020B0600000101010101" pitchFamily="50" charset="-127"/>
               <a:ea typeface="나눔스퀘어" panose="020B0600000101010101" pitchFamily="50" charset="-127"/>
             </a:endParaRPr>
           </a:p>
@@ -10925,7 +10981,7 @@
           <p:nvPr>
             <p:extLst>
               <p:ext uri="{D42A27DB-BD31-4B8C-83A1-F6EECF244321}">
-                <p14:modId xmlns:p14="http://schemas.microsoft.com/office/powerpoint/2010/main" val="3541587932"/>
+                <p14:modId xmlns:p14="http://schemas.microsoft.com/office/powerpoint/2010/main" val="979972684"/>
               </p:ext>
             </p:extLst>
           </p:nvPr>
@@ -11446,7 +11502,7 @@
                           <a:solidFill>
                             <a:schemeClr val="tx1"/>
                           </a:solidFill>
-                          <a:latin typeface="Montserrat" pitchFamily="2" charset="0"/>
+                          <a:latin typeface="나눔스퀘어" panose="020B0600000101010101" pitchFamily="50" charset="-127"/>
                           <a:ea typeface="나눔스퀘어" panose="020B0600000101010101" pitchFamily="50" charset="-127"/>
                         </a:rPr>
                         <a:t>webRTC</a:t>
@@ -12175,7 +12231,21 @@
                           <a:latin typeface="나눔스퀘어" panose="020B0600000101010101" pitchFamily="50" charset="-127"/>
                           <a:ea typeface="나눔스퀘어" panose="020B0600000101010101" pitchFamily="50" charset="-127"/>
                         </a:rPr>
-                        <a:t>를 통한 다중 이미지 업로드 기능 구현</a:t>
+                        <a:t>를 통한 다중 이미지 업로드 기능 </a:t>
+                      </a:r>
+                      <a:r>
+                        <a:rPr lang="en-US" altLang="ko-KR" sz="1600" dirty="0">
+                          <a:latin typeface="나눔스퀘어" panose="020B0600000101010101" pitchFamily="50" charset="-127"/>
+                          <a:ea typeface="나눔스퀘어" panose="020B0600000101010101" pitchFamily="50" charset="-127"/>
+                        </a:rPr>
+                        <a:t>Backend API </a:t>
+                      </a:r>
+                      <a:r>
+                        <a:rPr lang="ko-KR" altLang="en-US" sz="1600" dirty="0">
+                          <a:latin typeface="나눔스퀘어" panose="020B0600000101010101" pitchFamily="50" charset="-127"/>
+                          <a:ea typeface="나눔스퀘어" panose="020B0600000101010101" pitchFamily="50" charset="-127"/>
+                        </a:rPr>
+                        <a:t>작성</a:t>
                       </a:r>
                     </a:p>
                     <a:p>
@@ -12239,14 +12309,14 @@
                           <a:latin typeface="나눔스퀘어" panose="020B0600000101010101" pitchFamily="50" charset="-127"/>
                           <a:ea typeface="나눔스퀘어" panose="020B0600000101010101" pitchFamily="50" charset="-127"/>
                         </a:rPr>
-                        <a:t>BE </a:t>
+                        <a:t>Backend API </a:t>
                       </a:r>
                       <a:r>
                         <a:rPr lang="ko-KR" altLang="en-US" sz="1600" dirty="0">
                           <a:latin typeface="나눔스퀘어" panose="020B0600000101010101" pitchFamily="50" charset="-127"/>
                           <a:ea typeface="나눔스퀘어" panose="020B0600000101010101" pitchFamily="50" charset="-127"/>
                         </a:rPr>
-                        <a:t>구현</a:t>
+                        <a:t>작성</a:t>
                       </a:r>
                     </a:p>
                   </a:txBody>
@@ -12547,50 +12617,50 @@
           <a:lstStyle/>
           <a:p>
             <a:r>
-              <a:rPr lang="en-US" altLang="ko-KR" sz="4000" b="1" dirty="0">
+              <a:rPr lang="en-US" altLang="ko-KR" b="1" dirty="0">
                 <a:solidFill>
                   <a:schemeClr val="bg1"/>
                 </a:solidFill>
-                <a:latin typeface="Montserrat" pitchFamily="2" charset="0"/>
+                <a:latin typeface="나눔스퀘어" panose="020B0600000101010101" pitchFamily="50" charset="-127"/>
                 <a:ea typeface="나눔스퀘어" panose="020B0600000101010101" pitchFamily="50" charset="-127"/>
               </a:rPr>
               <a:t>Nginx</a:t>
             </a:r>
             <a:r>
-              <a:rPr lang="ko-KR" altLang="en-US" sz="4000" b="1" dirty="0">
+              <a:rPr lang="ko-KR" altLang="en-US" b="1" dirty="0">
                 <a:solidFill>
                   <a:schemeClr val="bg1"/>
                 </a:solidFill>
-                <a:latin typeface="Montserrat" pitchFamily="2" charset="0"/>
+                <a:latin typeface="나눔스퀘어" panose="020B0600000101010101" pitchFamily="50" charset="-127"/>
                 <a:ea typeface="나눔스퀘어" panose="020B0600000101010101" pitchFamily="50" charset="-127"/>
               </a:rPr>
               <a:t>를 이용한 </a:t>
             </a:r>
             <a:r>
-              <a:rPr lang="en-US" altLang="ko-KR" sz="4000" b="1" dirty="0" err="1">
+              <a:rPr lang="en-US" altLang="ko-KR" b="1" dirty="0" err="1">
                 <a:solidFill>
                   <a:schemeClr val="bg1"/>
                 </a:solidFill>
-                <a:latin typeface="Montserrat" pitchFamily="2" charset="0"/>
+                <a:latin typeface="나눔스퀘어" panose="020B0600000101010101" pitchFamily="50" charset="-127"/>
                 <a:ea typeface="나눔스퀘어" panose="020B0600000101010101" pitchFamily="50" charset="-127"/>
               </a:rPr>
               <a:t>openVidu</a:t>
             </a:r>
             <a:r>
-              <a:rPr lang="en-US" altLang="ko-KR" sz="4000" b="1" dirty="0">
+              <a:rPr lang="en-US" altLang="ko-KR" b="1" dirty="0">
                 <a:solidFill>
                   <a:schemeClr val="bg1"/>
                 </a:solidFill>
-                <a:latin typeface="Montserrat" pitchFamily="2" charset="0"/>
+                <a:latin typeface="나눔스퀘어" panose="020B0600000101010101" pitchFamily="50" charset="-127"/>
                 <a:ea typeface="나눔스퀘어" panose="020B0600000101010101" pitchFamily="50" charset="-127"/>
               </a:rPr>
               <a:t> build</a:t>
             </a:r>
-            <a:endParaRPr lang="ko-KR" altLang="en-US" sz="4000" b="1" dirty="0">
+            <a:endParaRPr lang="ko-KR" altLang="en-US" b="1" dirty="0">
               <a:solidFill>
                 <a:schemeClr val="bg1"/>
               </a:solidFill>
-              <a:latin typeface="Montserrat" pitchFamily="2" charset="0"/>
+              <a:latin typeface="나눔스퀘어" panose="020B0600000101010101" pitchFamily="50" charset="-127"/>
               <a:ea typeface="나눔스퀘어" panose="020B0600000101010101" pitchFamily="50" charset="-127"/>
             </a:endParaRPr>
           </a:p>
@@ -13190,7 +13260,7 @@
         </p:spPr>
         <p:txBody>
           <a:bodyPr>
-            <a:normAutofit fontScale="90000"/>
+            <a:normAutofit/>
           </a:bodyPr>
           <a:lstStyle/>
           <a:p>
@@ -13199,7 +13269,7 @@
                 <a:solidFill>
                   <a:schemeClr val="bg1"/>
                 </a:solidFill>
-                <a:latin typeface="Montserrat" pitchFamily="2" charset="0"/>
+                <a:latin typeface="나눔스퀘어" panose="020B0600000101010101" pitchFamily="50" charset="-127"/>
                 <a:ea typeface="나눔스퀘어" panose="020B0600000101010101" pitchFamily="50" charset="-127"/>
               </a:rPr>
               <a:t>Nginx</a:t>
@@ -13209,7 +13279,7 @@
                 <a:solidFill>
                   <a:schemeClr val="bg1"/>
                 </a:solidFill>
-                <a:latin typeface="Montserrat" pitchFamily="2" charset="0"/>
+                <a:latin typeface="나눔스퀘어" panose="020B0600000101010101" pitchFamily="50" charset="-127"/>
                 <a:ea typeface="나눔스퀘어" panose="020B0600000101010101" pitchFamily="50" charset="-127"/>
               </a:rPr>
               <a:t>를 이용한 </a:t>
@@ -13219,7 +13289,7 @@
                 <a:solidFill>
                   <a:schemeClr val="bg1"/>
                 </a:solidFill>
-                <a:latin typeface="Montserrat" pitchFamily="2" charset="0"/>
+                <a:latin typeface="나눔스퀘어" panose="020B0600000101010101" pitchFamily="50" charset="-127"/>
                 <a:ea typeface="나눔스퀘어" panose="020B0600000101010101" pitchFamily="50" charset="-127"/>
               </a:rPr>
               <a:t>openVidu</a:t>
@@ -13229,7 +13299,7 @@
                 <a:solidFill>
                   <a:schemeClr val="bg1"/>
                 </a:solidFill>
-                <a:latin typeface="Montserrat" pitchFamily="2" charset="0"/>
+                <a:latin typeface="나눔스퀘어" panose="020B0600000101010101" pitchFamily="50" charset="-127"/>
                 <a:ea typeface="나눔스퀘어" panose="020B0600000101010101" pitchFamily="50" charset="-127"/>
               </a:rPr>
               <a:t> build</a:t>
@@ -13238,7 +13308,7 @@
               <a:solidFill>
                 <a:schemeClr val="bg1"/>
               </a:solidFill>
-              <a:latin typeface="Montserrat" pitchFamily="2" charset="0"/>
+              <a:latin typeface="나눔스퀘어" panose="020B0600000101010101" pitchFamily="50" charset="-127"/>
               <a:ea typeface="나눔스퀘어" panose="020B0600000101010101" pitchFamily="50" charset="-127"/>
             </a:endParaRPr>
           </a:p>
@@ -13836,7 +13906,7 @@
                 <a:solidFill>
                   <a:schemeClr val="bg1"/>
                 </a:solidFill>
-                <a:latin typeface="Montserrat" pitchFamily="2" charset="0"/>
+                <a:latin typeface="나눔스퀘어" panose="020B0600000101010101" pitchFamily="50" charset="-127"/>
                 <a:ea typeface="나눔스퀘어" panose="020B0600000101010101" pitchFamily="50" charset="-127"/>
               </a:rPr>
               <a:t>Takeaway</a:t>
@@ -13845,7 +13915,7 @@
               <a:solidFill>
                 <a:schemeClr val="bg1"/>
               </a:solidFill>
-              <a:latin typeface="Montserrat" pitchFamily="2" charset="0"/>
+              <a:latin typeface="나눔스퀘어" panose="020B0600000101010101" pitchFamily="50" charset="-127"/>
               <a:ea typeface="나눔스퀘어" panose="020B0600000101010101" pitchFamily="50" charset="-127"/>
             </a:endParaRPr>
           </a:p>
@@ -14498,18 +14568,18 @@
         <p:spPr>
           <a:xfrm>
             <a:off x="188684" y="131799"/>
-            <a:ext cx="8543925" cy="1042332"/>
+            <a:ext cx="9385622" cy="1042332"/>
           </a:xfrm>
           <a:effectLst/>
         </p:spPr>
         <p:txBody>
           <a:bodyPr>
-            <a:normAutofit fontScale="90000"/>
+            <a:noAutofit/>
           </a:bodyPr>
           <a:lstStyle/>
           <a:p>
             <a:r>
-              <a:rPr lang="en-US" altLang="ko-KR" sz="4400" b="1" dirty="0">
+              <a:rPr lang="en-US" altLang="ko-KR" b="1" dirty="0">
                 <a:solidFill>
                   <a:schemeClr val="bg1"/>
                 </a:solidFill>
@@ -14519,7 +14589,7 @@
               <a:t>JWT</a:t>
             </a:r>
             <a:r>
-              <a:rPr lang="ko-KR" altLang="en-US" sz="4400" b="1" dirty="0">
+              <a:rPr lang="ko-KR" altLang="en-US" b="1" dirty="0">
                 <a:solidFill>
                   <a:schemeClr val="bg1"/>
                 </a:solidFill>
@@ -14529,7 +14599,7 @@
               <a:t>를 활용한 사용자 </a:t>
             </a:r>
             <a:r>
-              <a:rPr lang="en-US" altLang="ko-KR" sz="4400" b="1" dirty="0">
+              <a:rPr lang="en-US" altLang="ko-KR" b="1" dirty="0">
                 <a:solidFill>
                   <a:schemeClr val="bg1"/>
                 </a:solidFill>
@@ -15063,18 +15133,18 @@
         <p:spPr>
           <a:xfrm>
             <a:off x="188684" y="131799"/>
-            <a:ext cx="8543925" cy="1042332"/>
+            <a:ext cx="9385622" cy="1042332"/>
           </a:xfrm>
           <a:effectLst/>
         </p:spPr>
         <p:txBody>
           <a:bodyPr>
-            <a:normAutofit fontScale="90000"/>
+            <a:noAutofit/>
           </a:bodyPr>
           <a:lstStyle/>
           <a:p>
             <a:r>
-              <a:rPr lang="en-US" altLang="ko-KR" sz="4400" b="1" dirty="0">
+              <a:rPr lang="en-US" altLang="ko-KR" b="1" dirty="0">
                 <a:solidFill>
                   <a:schemeClr val="bg1"/>
                 </a:solidFill>
@@ -15084,7 +15154,7 @@
               <a:t>JWT</a:t>
             </a:r>
             <a:r>
-              <a:rPr lang="ko-KR" altLang="en-US" sz="4400" b="1" dirty="0">
+              <a:rPr lang="ko-KR" altLang="en-US" b="1" dirty="0">
                 <a:solidFill>
                   <a:schemeClr val="bg1"/>
                 </a:solidFill>
@@ -15094,7 +15164,7 @@
               <a:t>를 활용한 사용자 </a:t>
             </a:r>
             <a:r>
-              <a:rPr lang="en-US" altLang="ko-KR" sz="4400" b="1" dirty="0">
+              <a:rPr lang="en-US" altLang="ko-KR" b="1" dirty="0">
                 <a:solidFill>
                   <a:schemeClr val="bg1"/>
                 </a:solidFill>
